--- a/docs/Ericsson Internship Project - Code Review 3.pptx
+++ b/docs/Ericsson Internship Project - Code Review 3.pptx
@@ -7,8 +7,8 @@
   <p:sldIdLst>
     <p:sldId id="256" r:id="rId2"/>
     <p:sldId id="262" r:id="rId3"/>
-    <p:sldId id="263" r:id="rId4"/>
-    <p:sldId id="264" r:id="rId5"/>
+    <p:sldId id="264" r:id="rId4"/>
+    <p:sldId id="263" r:id="rId5"/>
     <p:sldId id="261" r:id="rId6"/>
   </p:sldIdLst>
   <p:sldSz cx="12192000" cy="6858000"/>
@@ -305,7 +305,7 @@
             <a:fld id="{B61BEF0D-F0BB-DE4B-95CE-6DB70DBA9567}" type="datetimeFigureOut">
               <a:rPr lang="en-US" dirty="0"/>
               <a:pPr/>
-              <a:t>7/9/2018</a:t>
+              <a:t>7/10/2018</a:t>
             </a:fld>
             <a:endParaRPr lang="en-US" dirty="0"/>
           </a:p>
@@ -640,7 +640,7 @@
             <a:fld id="{B61BEF0D-F0BB-DE4B-95CE-6DB70DBA9567}" type="datetimeFigureOut">
               <a:rPr lang="en-US" dirty="0"/>
               <a:pPr/>
-              <a:t>7/9/2018</a:t>
+              <a:t>7/10/2018</a:t>
             </a:fld>
             <a:endParaRPr lang="en-US" dirty="0"/>
           </a:p>
@@ -1038,7 +1038,7 @@
             <a:fld id="{B61BEF0D-F0BB-DE4B-95CE-6DB70DBA9567}" type="datetimeFigureOut">
               <a:rPr lang="en-US" dirty="0"/>
               <a:pPr/>
-              <a:t>7/9/2018</a:t>
+              <a:t>7/10/2018</a:t>
             </a:fld>
             <a:endParaRPr lang="en-US" dirty="0"/>
           </a:p>
@@ -1371,7 +1371,7 @@
             <a:fld id="{B61BEF0D-F0BB-DE4B-95CE-6DB70DBA9567}" type="datetimeFigureOut">
               <a:rPr lang="en-US" dirty="0"/>
               <a:pPr/>
-              <a:t>7/9/2018</a:t>
+              <a:t>7/10/2018</a:t>
             </a:fld>
             <a:endParaRPr lang="en-US" dirty="0"/>
           </a:p>
@@ -1688,7 +1688,7 @@
             <a:fld id="{B61BEF0D-F0BB-DE4B-95CE-6DB70DBA9567}" type="datetimeFigureOut">
               <a:rPr lang="en-US" dirty="0"/>
               <a:pPr/>
-              <a:t>7/9/2018</a:t>
+              <a:t>7/10/2018</a:t>
             </a:fld>
             <a:endParaRPr lang="en-US" dirty="0"/>
           </a:p>
@@ -2081,7 +2081,7 @@
             <a:fld id="{B61BEF0D-F0BB-DE4B-95CE-6DB70DBA9567}" type="datetimeFigureOut">
               <a:rPr lang="en-US" dirty="0"/>
               <a:pPr/>
-              <a:t>7/9/2018</a:t>
+              <a:t>7/10/2018</a:t>
             </a:fld>
             <a:endParaRPr lang="en-US" dirty="0"/>
           </a:p>
@@ -2335,7 +2335,7 @@
             <a:fld id="{B61BEF0D-F0BB-DE4B-95CE-6DB70DBA9567}" type="datetimeFigureOut">
               <a:rPr lang="en-US" dirty="0"/>
               <a:pPr/>
-              <a:t>7/9/2018</a:t>
+              <a:t>7/10/2018</a:t>
             </a:fld>
             <a:endParaRPr lang="en-US" dirty="0"/>
           </a:p>
@@ -2594,7 +2594,7 @@
             <a:fld id="{B61BEF0D-F0BB-DE4B-95CE-6DB70DBA9567}" type="datetimeFigureOut">
               <a:rPr lang="en-US" dirty="0"/>
               <a:pPr/>
-              <a:t>7/9/2018</a:t>
+              <a:t>7/10/2018</a:t>
             </a:fld>
             <a:endParaRPr lang="en-US" dirty="0"/>
           </a:p>
@@ -2853,7 +2853,7 @@
             <a:fld id="{B61BEF0D-F0BB-DE4B-95CE-6DB70DBA9567}" type="datetimeFigureOut">
               <a:rPr lang="en-US" dirty="0"/>
               <a:pPr/>
-              <a:t>7/9/2018</a:t>
+              <a:t>7/10/2018</a:t>
             </a:fld>
             <a:endParaRPr lang="en-US" dirty="0"/>
           </a:p>
@@ -3179,7 +3179,7 @@
             <a:fld id="{B61BEF0D-F0BB-DE4B-95CE-6DB70DBA9567}" type="datetimeFigureOut">
               <a:rPr lang="en-US" dirty="0"/>
               <a:pPr/>
-              <a:t>7/9/2018</a:t>
+              <a:t>7/10/2018</a:t>
             </a:fld>
             <a:endParaRPr lang="en-US" dirty="0"/>
           </a:p>
@@ -3499,7 +3499,7 @@
             <a:fld id="{B61BEF0D-F0BB-DE4B-95CE-6DB70DBA9567}" type="datetimeFigureOut">
               <a:rPr lang="en-US" dirty="0"/>
               <a:pPr/>
-              <a:t>7/9/2018</a:t>
+              <a:t>7/10/2018</a:t>
             </a:fld>
             <a:endParaRPr lang="en-US" dirty="0"/>
           </a:p>
@@ -3953,7 +3953,7 @@
             <a:fld id="{B61BEF0D-F0BB-DE4B-95CE-6DB70DBA9567}" type="datetimeFigureOut">
               <a:rPr lang="en-US" dirty="0"/>
               <a:pPr/>
-              <a:t>7/9/2018</a:t>
+              <a:t>7/10/2018</a:t>
             </a:fld>
             <a:endParaRPr lang="en-US" dirty="0"/>
           </a:p>
@@ -4155,7 +4155,7 @@
             <a:fld id="{B61BEF0D-F0BB-DE4B-95CE-6DB70DBA9567}" type="datetimeFigureOut">
               <a:rPr lang="en-US" dirty="0"/>
               <a:pPr/>
-              <a:t>7/9/2018</a:t>
+              <a:t>7/10/2018</a:t>
             </a:fld>
             <a:endParaRPr lang="en-US" dirty="0"/>
           </a:p>
@@ -4329,7 +4329,7 @@
             <a:fld id="{B61BEF0D-F0BB-DE4B-95CE-6DB70DBA9567}" type="datetimeFigureOut">
               <a:rPr lang="en-US" dirty="0"/>
               <a:pPr/>
-              <a:t>7/9/2018</a:t>
+              <a:t>7/10/2018</a:t>
             </a:fld>
             <a:endParaRPr lang="en-US" dirty="0"/>
           </a:p>
@@ -4659,7 +4659,7 @@
             <a:fld id="{B61BEF0D-F0BB-DE4B-95CE-6DB70DBA9567}" type="datetimeFigureOut">
               <a:rPr lang="en-US" dirty="0"/>
               <a:pPr/>
-              <a:t>7/9/2018</a:t>
+              <a:t>7/10/2018</a:t>
             </a:fld>
             <a:endParaRPr lang="en-US" dirty="0"/>
           </a:p>
@@ -5001,7 +5001,7 @@
             <a:fld id="{B61BEF0D-F0BB-DE4B-95CE-6DB70DBA9567}" type="datetimeFigureOut">
               <a:rPr lang="en-US" dirty="0"/>
               <a:pPr/>
-              <a:t>7/9/2018</a:t>
+              <a:t>7/10/2018</a:t>
             </a:fld>
             <a:endParaRPr lang="en-US" dirty="0"/>
           </a:p>
@@ -7115,7 +7115,7 @@
             <a:fld id="{B61BEF0D-F0BB-DE4B-95CE-6DB70DBA9567}" type="datetimeFigureOut">
               <a:rPr lang="en-US" dirty="0"/>
               <a:pPr/>
-              <a:t>7/9/2018</a:t>
+              <a:t>7/10/2018</a:t>
             </a:fld>
             <a:endParaRPr lang="en-US" dirty="0"/>
           </a:p>
@@ -7782,27 +7782,45 @@
           <a:lstStyle/>
           <a:p>
             <a:r>
+              <a:rPr lang="en-IE" b="1" dirty="0"/>
+              <a:t>Decouple the factory pattern</a:t>
+            </a:r>
+          </a:p>
+          <a:p>
+            <a:pPr lvl="1"/>
+            <a:r>
               <a:rPr lang="en-IE" dirty="0"/>
-              <a:t>Decouple the factory pattern</a:t>
+              <a:t>A new calculation type class can be added and the application should dynamically update to incorporate the new calculation type</a:t>
+            </a:r>
+          </a:p>
+          <a:p>
+            <a:r>
+              <a:rPr lang="en-IE" b="1" dirty="0"/>
+              <a:t>Refactoring</a:t>
+            </a:r>
+            <a:r>
+              <a:rPr lang="en-IE" dirty="0"/>
+              <a:t> </a:t>
             </a:r>
           </a:p>
           <a:p>
             <a:pPr lvl="1"/>
             <a:r>
               <a:rPr lang="en-IE" dirty="0"/>
-              <a:t>A new calculation type class can be added and the application should dynamically update to reflect the new calculation type</a:t>
-            </a:r>
-          </a:p>
-          <a:p>
+              <a:t>package and class naming</a:t>
+            </a:r>
+          </a:p>
+          <a:p>
+            <a:r>
+              <a:rPr lang="en-IE" b="1" dirty="0"/>
+              <a:t>Clean Code </a:t>
+            </a:r>
+          </a:p>
+          <a:p>
+            <a:pPr lvl="1"/>
             <a:r>
               <a:rPr lang="en-IE" dirty="0"/>
-              <a:t>Refactoring : package and class naming</a:t>
-            </a:r>
-          </a:p>
-          <a:p>
-            <a:r>
-              <a:rPr lang="en-IE" dirty="0"/>
-              <a:t>Clean Code : remove if statement that checks validation has passed and replace with method calls</a:t>
+              <a:t>remove if statement that checks validation has passed and replace with method calls</a:t>
             </a:r>
           </a:p>
           <a:p>
@@ -7845,7 +7863,7 @@
           <p:cNvPr id="2" name="Title 1">
             <a:extLst>
               <a:ext uri="{FF2B5EF4-FFF2-40B4-BE49-F238E27FC236}">
-                <a16:creationId xmlns:a16="http://schemas.microsoft.com/office/drawing/2014/main" id="{C78DEBED-61BF-46BD-8832-0215122BC11F}"/>
+                <a16:creationId xmlns:a16="http://schemas.microsoft.com/office/drawing/2014/main" id="{889F6206-0452-4A19-A1DD-BF5C4F1C0A54}"/>
               </a:ext>
             </a:extLst>
           </p:cNvPr>
@@ -7863,40 +7881,15 @@
           <a:p>
             <a:r>
               <a:rPr lang="en-IE" dirty="0"/>
-              <a:t>Decoupling the factory pattern in Spring boot</a:t>
-            </a:r>
-          </a:p>
-        </p:txBody>
-      </p:sp>
-      <p:sp>
-        <p:nvSpPr>
-          <p:cNvPr id="3" name="Content Placeholder 2">
-            <a:extLst>
-              <a:ext uri="{FF2B5EF4-FFF2-40B4-BE49-F238E27FC236}">
-                <a16:creationId xmlns:a16="http://schemas.microsoft.com/office/drawing/2014/main" id="{9F84C3B8-8C26-4BD1-8565-F0AE85249967}"/>
-              </a:ext>
-            </a:extLst>
-          </p:cNvPr>
-          <p:cNvSpPr>
-            <a:spLocks noGrp="1"/>
-          </p:cNvSpPr>
-          <p:nvPr>
-            <p:ph idx="1"/>
-          </p:nvPr>
-        </p:nvSpPr>
-        <p:spPr/>
-        <p:txBody>
-          <a:bodyPr/>
-          <a:lstStyle/>
-          <a:p>
-            <a:endParaRPr lang="en-IE"/>
+              <a:t>Class Diagram UML</a:t>
+            </a:r>
           </a:p>
         </p:txBody>
       </p:sp>
     </p:spTree>
     <p:extLst>
       <p:ext uri="{BB962C8B-B14F-4D97-AF65-F5344CB8AC3E}">
-        <p14:creationId xmlns:p14="http://schemas.microsoft.com/office/powerpoint/2010/main" val="3052940528"/>
+        <p14:creationId xmlns:p14="http://schemas.microsoft.com/office/powerpoint/2010/main" val="3634038020"/>
       </p:ext>
     </p:extLst>
   </p:cSld>
@@ -7928,7 +7921,7 @@
           <p:cNvPr id="2" name="Title 1">
             <a:extLst>
               <a:ext uri="{FF2B5EF4-FFF2-40B4-BE49-F238E27FC236}">
-                <a16:creationId xmlns:a16="http://schemas.microsoft.com/office/drawing/2014/main" id="{889F6206-0452-4A19-A1DD-BF5C4F1C0A54}"/>
+                <a16:creationId xmlns:a16="http://schemas.microsoft.com/office/drawing/2014/main" id="{C78DEBED-61BF-46BD-8832-0215122BC11F}"/>
               </a:ext>
             </a:extLst>
           </p:cNvPr>
@@ -7946,40 +7939,15 @@
           <a:p>
             <a:r>
               <a:rPr lang="en-IE" dirty="0"/>
-              <a:t>Class Diagram UML</a:t>
-            </a:r>
-          </a:p>
-        </p:txBody>
-      </p:sp>
-      <p:sp>
-        <p:nvSpPr>
-          <p:cNvPr id="3" name="Content Placeholder 2">
-            <a:extLst>
-              <a:ext uri="{FF2B5EF4-FFF2-40B4-BE49-F238E27FC236}">
-                <a16:creationId xmlns:a16="http://schemas.microsoft.com/office/drawing/2014/main" id="{9476EE60-63FF-4EFB-AC41-1C972E88AF45}"/>
-              </a:ext>
-            </a:extLst>
-          </p:cNvPr>
-          <p:cNvSpPr>
-            <a:spLocks noGrp="1"/>
-          </p:cNvSpPr>
-          <p:nvPr>
-            <p:ph idx="1"/>
-          </p:nvPr>
-        </p:nvSpPr>
-        <p:spPr/>
-        <p:txBody>
-          <a:bodyPr/>
-          <a:lstStyle/>
-          <a:p>
-            <a:endParaRPr lang="en-IE"/>
+              <a:t>Decoupling the factory pattern in Spring boot</a:t>
+            </a:r>
           </a:p>
         </p:txBody>
       </p:sp>
     </p:spTree>
     <p:extLst>
       <p:ext uri="{BB962C8B-B14F-4D97-AF65-F5344CB8AC3E}">
-        <p14:creationId xmlns:p14="http://schemas.microsoft.com/office/powerpoint/2010/main" val="3634038020"/>
+        <p14:creationId xmlns:p14="http://schemas.microsoft.com/office/powerpoint/2010/main" val="3052940528"/>
       </p:ext>
     </p:extLst>
   </p:cSld>
